--- a/howToConfig.pptx
+++ b/howToConfig.pptx
@@ -14,6 +14,8 @@
     <p:sldId id="268" r:id="rId8"/>
     <p:sldId id="272" r:id="rId9"/>
     <p:sldId id="273" r:id="rId10"/>
+    <p:sldId id="276" r:id="rId11"/>
+    <p:sldId id="277" r:id="rId12"/>
   </p:sldIdLst>
   <p:sldSz cx="9144000" cy="6858000" type="screen4x3"/>
   <p:notesSz cx="6858000" cy="9144000"/>
@@ -314,7 +316,7 @@
           <a:p>
             <a:fld id="{FB30EDBD-1C2D-4C1E-B459-B60219FAB484}" type="datetimeFigureOut">
               <a:rPr lang="ko-KR" altLang="en-US" smtClean="0"/>
-              <a:t>2017-11-20</a:t>
+              <a:t>2017-11-21</a:t>
             </a:fld>
             <a:endParaRPr lang="ko-KR" altLang="en-US"/>
           </a:p>
@@ -477,7 +479,7 @@
           <a:p>
             <a:fld id="{FB30EDBD-1C2D-4C1E-B459-B60219FAB484}" type="datetimeFigureOut">
               <a:rPr lang="ko-KR" altLang="en-US" smtClean="0"/>
-              <a:t>2017-11-20</a:t>
+              <a:t>2017-11-21</a:t>
             </a:fld>
             <a:endParaRPr lang="ko-KR" altLang="en-US"/>
           </a:p>
@@ -650,7 +652,7 @@
           <a:p>
             <a:fld id="{FB30EDBD-1C2D-4C1E-B459-B60219FAB484}" type="datetimeFigureOut">
               <a:rPr lang="ko-KR" altLang="en-US" smtClean="0"/>
-              <a:t>2017-11-20</a:t>
+              <a:t>2017-11-21</a:t>
             </a:fld>
             <a:endParaRPr lang="ko-KR" altLang="en-US"/>
           </a:p>
@@ -813,7 +815,7 @@
           <a:p>
             <a:fld id="{FB30EDBD-1C2D-4C1E-B459-B60219FAB484}" type="datetimeFigureOut">
               <a:rPr lang="ko-KR" altLang="en-US" smtClean="0"/>
-              <a:t>2017-11-20</a:t>
+              <a:t>2017-11-21</a:t>
             </a:fld>
             <a:endParaRPr lang="ko-KR" altLang="en-US"/>
           </a:p>
@@ -1053,7 +1055,7 @@
           <a:p>
             <a:fld id="{FB30EDBD-1C2D-4C1E-B459-B60219FAB484}" type="datetimeFigureOut">
               <a:rPr lang="ko-KR" altLang="en-US" smtClean="0"/>
-              <a:t>2017-11-20</a:t>
+              <a:t>2017-11-21</a:t>
             </a:fld>
             <a:endParaRPr lang="ko-KR" altLang="en-US"/>
           </a:p>
@@ -1333,7 +1335,7 @@
           <a:p>
             <a:fld id="{FB30EDBD-1C2D-4C1E-B459-B60219FAB484}" type="datetimeFigureOut">
               <a:rPr lang="ko-KR" altLang="en-US" smtClean="0"/>
-              <a:t>2017-11-20</a:t>
+              <a:t>2017-11-21</a:t>
             </a:fld>
             <a:endParaRPr lang="ko-KR" altLang="en-US"/>
           </a:p>
@@ -1747,7 +1749,7 @@
           <a:p>
             <a:fld id="{FB30EDBD-1C2D-4C1E-B459-B60219FAB484}" type="datetimeFigureOut">
               <a:rPr lang="ko-KR" altLang="en-US" smtClean="0"/>
-              <a:t>2017-11-20</a:t>
+              <a:t>2017-11-21</a:t>
             </a:fld>
             <a:endParaRPr lang="ko-KR" altLang="en-US"/>
           </a:p>
@@ -1859,7 +1861,7 @@
           <a:p>
             <a:fld id="{FB30EDBD-1C2D-4C1E-B459-B60219FAB484}" type="datetimeFigureOut">
               <a:rPr lang="ko-KR" altLang="en-US" smtClean="0"/>
-              <a:t>2017-11-20</a:t>
+              <a:t>2017-11-21</a:t>
             </a:fld>
             <a:endParaRPr lang="ko-KR" altLang="en-US"/>
           </a:p>
@@ -1949,7 +1951,7 @@
           <a:p>
             <a:fld id="{FB30EDBD-1C2D-4C1E-B459-B60219FAB484}" type="datetimeFigureOut">
               <a:rPr lang="ko-KR" altLang="en-US" smtClean="0"/>
-              <a:t>2017-11-20</a:t>
+              <a:t>2017-11-21</a:t>
             </a:fld>
             <a:endParaRPr lang="ko-KR" altLang="en-US"/>
           </a:p>
@@ -2219,7 +2221,7 @@
           <a:p>
             <a:fld id="{FB30EDBD-1C2D-4C1E-B459-B60219FAB484}" type="datetimeFigureOut">
               <a:rPr lang="ko-KR" altLang="en-US" smtClean="0"/>
-              <a:t>2017-11-20</a:t>
+              <a:t>2017-11-21</a:t>
             </a:fld>
             <a:endParaRPr lang="ko-KR" altLang="en-US"/>
           </a:p>
@@ -2466,7 +2468,7 @@
           <a:p>
             <a:fld id="{FB30EDBD-1C2D-4C1E-B459-B60219FAB484}" type="datetimeFigureOut">
               <a:rPr lang="ko-KR" altLang="en-US" smtClean="0"/>
-              <a:t>2017-11-20</a:t>
+              <a:t>2017-11-21</a:t>
             </a:fld>
             <a:endParaRPr lang="ko-KR" altLang="en-US"/>
           </a:p>
@@ -2672,7 +2674,7 @@
           <a:p>
             <a:fld id="{FB30EDBD-1C2D-4C1E-B459-B60219FAB484}" type="datetimeFigureOut">
               <a:rPr lang="ko-KR" altLang="en-US" smtClean="0"/>
-              <a:t>2017-11-20</a:t>
+              <a:t>2017-11-21</a:t>
             </a:fld>
             <a:endParaRPr lang="ko-KR" altLang="en-US"/>
           </a:p>
@@ -3195,6 +3197,666 @@
     <p:extLst>
       <p:ext uri="{BB962C8B-B14F-4D97-AF65-F5344CB8AC3E}">
         <p14:creationId xmlns:p14="http://schemas.microsoft.com/office/powerpoint/2010/main" val="3888715054"/>
+      </p:ext>
+    </p:extLst>
+  </p:cSld>
+  <p:clrMapOvr>
+    <a:masterClrMapping/>
+  </p:clrMapOvr>
+</p:sld>
+</file>
+
+<file path=ppt/slides/slide10.xml><?xml version="1.0" encoding="utf-8"?>
+<p:sld xmlns:a="http://schemas.openxmlformats.org/drawingml/2006/main" xmlns:r="http://schemas.openxmlformats.org/officeDocument/2006/relationships" xmlns:p="http://schemas.openxmlformats.org/presentationml/2006/main">
+  <p:cSld>
+    <p:spTree>
+      <p:nvGrpSpPr>
+        <p:cNvPr id="1" name=""/>
+        <p:cNvGrpSpPr/>
+        <p:nvPr/>
+      </p:nvGrpSpPr>
+      <p:grpSpPr>
+        <a:xfrm>
+          <a:off x="0" y="0"/>
+          <a:ext cx="0" cy="0"/>
+          <a:chOff x="0" y="0"/>
+          <a:chExt cx="0" cy="0"/>
+        </a:xfrm>
+      </p:grpSpPr>
+      <p:sp>
+        <p:nvSpPr>
+          <p:cNvPr id="2" name="제목 1">
+            <a:extLst>
+              <a:ext uri="{FF2B5EF4-FFF2-40B4-BE49-F238E27FC236}">
+                <a16:creationId xmlns:a16="http://schemas.microsoft.com/office/drawing/2014/main" id="{3E768300-009F-49E2-98E6-C5F233A61D15}"/>
+              </a:ext>
+            </a:extLst>
+          </p:cNvPr>
+          <p:cNvSpPr>
+            <a:spLocks noGrp="1"/>
+          </p:cNvSpPr>
+          <p:nvPr>
+            <p:ph type="title"/>
+          </p:nvPr>
+        </p:nvSpPr>
+        <p:spPr/>
+        <p:txBody>
+          <a:bodyPr>
+            <a:normAutofit fontScale="90000"/>
+          </a:bodyPr>
+          <a:lstStyle/>
+          <a:p>
+            <a:r>
+              <a:rPr lang="en-US" altLang="ko-KR" dirty="0" err="1"/>
+              <a:t>aeatMarshalling</a:t>
+            </a:r>
+            <a:r>
+              <a:rPr lang="en-US" altLang="ko-KR" dirty="0"/>
+              <a:t>(</a:t>
+            </a:r>
+            <a:r>
+              <a:rPr lang="en-US" altLang="ko-KR" dirty="0" err="1"/>
+              <a:t>AEATType</a:t>
+            </a:r>
+            <a:r>
+              <a:rPr lang="en-US" altLang="ko-KR" dirty="0"/>
+              <a:t>, String)</a:t>
+            </a:r>
+            <a:endParaRPr lang="ko-KR" altLang="en-US" dirty="0"/>
+          </a:p>
+        </p:txBody>
+      </p:sp>
+      <p:sp>
+        <p:nvSpPr>
+          <p:cNvPr id="6" name="TextBox 5">
+            <a:extLst>
+              <a:ext uri="{FF2B5EF4-FFF2-40B4-BE49-F238E27FC236}">
+                <a16:creationId xmlns:a16="http://schemas.microsoft.com/office/drawing/2014/main" id="{2538230E-A73F-4F85-B72E-F140C51B15A1}"/>
+              </a:ext>
+            </a:extLst>
+          </p:cNvPr>
+          <p:cNvSpPr txBox="1"/>
+          <p:nvPr/>
+        </p:nvSpPr>
+        <p:spPr>
+          <a:xfrm>
+            <a:off x="446341" y="2132856"/>
+            <a:ext cx="8508740" cy="3139321"/>
+          </a:xfrm>
+          <a:prstGeom prst="rect">
+            <a:avLst/>
+          </a:prstGeom>
+          <a:noFill/>
+        </p:spPr>
+        <p:txBody>
+          <a:bodyPr wrap="none" rtlCol="0">
+            <a:spAutoFit/>
+          </a:bodyPr>
+          <a:lstStyle/>
+          <a:p>
+            <a:r>
+              <a:rPr lang="en-US" altLang="ko-KR" dirty="0"/>
+              <a:t>private void </a:t>
+            </a:r>
+            <a:r>
+              <a:rPr lang="en-US" altLang="ko-KR" dirty="0" err="1"/>
+              <a:t>aeatMarshalling</a:t>
+            </a:r>
+            <a:r>
+              <a:rPr lang="en-US" altLang="ko-KR" dirty="0"/>
+              <a:t>(</a:t>
+            </a:r>
+            <a:r>
+              <a:rPr lang="en-US" altLang="ko-KR" dirty="0" err="1"/>
+              <a:t>AEATType</a:t>
+            </a:r>
+            <a:r>
+              <a:rPr lang="en-US" altLang="ko-KR" dirty="0"/>
+              <a:t> </a:t>
+            </a:r>
+            <a:r>
+              <a:rPr lang="en-US" altLang="ko-KR" dirty="0" err="1"/>
+              <a:t>aeat</a:t>
+            </a:r>
+            <a:r>
+              <a:rPr lang="en-US" altLang="ko-KR" dirty="0"/>
+              <a:t>, String path) {</a:t>
+            </a:r>
+          </a:p>
+          <a:p>
+            <a:r>
+              <a:rPr lang="en-US" altLang="ko-KR" dirty="0"/>
+              <a:t>        try {</a:t>
+            </a:r>
+          </a:p>
+          <a:p>
+            <a:r>
+              <a:rPr lang="en-US" altLang="ko-KR" dirty="0"/>
+              <a:t>            </a:t>
+            </a:r>
+            <a:r>
+              <a:rPr lang="en-US" altLang="ko-KR" dirty="0" err="1"/>
+              <a:t>JAXBContext</a:t>
+            </a:r>
+            <a:r>
+              <a:rPr lang="en-US" altLang="ko-KR" dirty="0"/>
+              <a:t> </a:t>
+            </a:r>
+            <a:r>
+              <a:rPr lang="en-US" altLang="ko-KR" dirty="0" err="1"/>
+              <a:t>jaxbContext</a:t>
+            </a:r>
+            <a:r>
+              <a:rPr lang="en-US" altLang="ko-KR" dirty="0"/>
+              <a:t> = </a:t>
+            </a:r>
+            <a:r>
+              <a:rPr lang="en-US" altLang="ko-KR" dirty="0" err="1"/>
+              <a:t>JAXBContext.newInstance</a:t>
+            </a:r>
+            <a:r>
+              <a:rPr lang="en-US" altLang="ko-KR" dirty="0"/>
+              <a:t>(</a:t>
+            </a:r>
+            <a:r>
+              <a:rPr lang="en-US" altLang="ko-KR" dirty="0" err="1"/>
+              <a:t>AEATType.class</a:t>
+            </a:r>
+            <a:r>
+              <a:rPr lang="en-US" altLang="ko-KR" dirty="0"/>
+              <a:t>);</a:t>
+            </a:r>
+          </a:p>
+          <a:p>
+            <a:r>
+              <a:rPr lang="en-US" altLang="ko-KR" dirty="0"/>
+              <a:t>            </a:t>
+            </a:r>
+            <a:r>
+              <a:rPr lang="en-US" altLang="ko-KR" dirty="0" err="1"/>
+              <a:t>Marshaller</a:t>
+            </a:r>
+            <a:r>
+              <a:rPr lang="en-US" altLang="ko-KR" dirty="0"/>
+              <a:t> </a:t>
+            </a:r>
+            <a:r>
+              <a:rPr lang="en-US" altLang="ko-KR" dirty="0" err="1"/>
+              <a:t>marshaller</a:t>
+            </a:r>
+            <a:r>
+              <a:rPr lang="en-US" altLang="ko-KR" dirty="0"/>
+              <a:t> = </a:t>
+            </a:r>
+            <a:r>
+              <a:rPr lang="en-US" altLang="ko-KR" dirty="0" err="1"/>
+              <a:t>jaxbContext.createMarshaller</a:t>
+            </a:r>
+            <a:r>
+              <a:rPr lang="en-US" altLang="ko-KR" dirty="0"/>
+              <a:t>();</a:t>
+            </a:r>
+          </a:p>
+          <a:p>
+            <a:r>
+              <a:rPr lang="en-US" altLang="ko-KR" dirty="0"/>
+              <a:t>            </a:t>
+            </a:r>
+            <a:r>
+              <a:rPr lang="en-US" altLang="ko-KR" dirty="0" err="1"/>
+              <a:t>marshaller.setProperty</a:t>
+            </a:r>
+            <a:r>
+              <a:rPr lang="en-US" altLang="ko-KR" dirty="0"/>
+              <a:t>(</a:t>
+            </a:r>
+            <a:r>
+              <a:rPr lang="en-US" altLang="ko-KR" dirty="0" err="1"/>
+              <a:t>Marshaller.JAXB_FORMATTED_OUTPUT</a:t>
+            </a:r>
+            <a:r>
+              <a:rPr lang="en-US" altLang="ko-KR" dirty="0"/>
+              <a:t>, true);</a:t>
+            </a:r>
+          </a:p>
+          <a:p>
+            <a:r>
+              <a:rPr lang="en-US" altLang="ko-KR" dirty="0"/>
+              <a:t>            //</a:t>
+            </a:r>
+            <a:r>
+              <a:rPr lang="en-US" altLang="ko-KR" dirty="0" err="1"/>
+              <a:t>AEATType</a:t>
+            </a:r>
+            <a:r>
+              <a:rPr lang="en-US" altLang="ko-KR" dirty="0"/>
+              <a:t> </a:t>
+            </a:r>
+            <a:r>
+              <a:rPr lang="ko-KR" altLang="en-US" dirty="0"/>
+              <a:t>객체를 </a:t>
+            </a:r>
+            <a:r>
+              <a:rPr lang="en-US" altLang="ko-KR" dirty="0"/>
+              <a:t>"path" </a:t>
+            </a:r>
+            <a:r>
+              <a:rPr lang="ko-KR" altLang="en-US" dirty="0"/>
+              <a:t>경로에 파일로 저장            </a:t>
+            </a:r>
+          </a:p>
+          <a:p>
+            <a:r>
+              <a:rPr lang="ko-KR" altLang="en-US" dirty="0"/>
+              <a:t>            </a:t>
+            </a:r>
+            <a:r>
+              <a:rPr lang="en-US" altLang="ko-KR" dirty="0" err="1"/>
+              <a:t>marshaller.marshal</a:t>
+            </a:r>
+            <a:r>
+              <a:rPr lang="en-US" altLang="ko-KR" dirty="0"/>
+              <a:t>(</a:t>
+            </a:r>
+            <a:r>
+              <a:rPr lang="en-US" altLang="ko-KR" dirty="0" err="1"/>
+              <a:t>aeat</a:t>
+            </a:r>
+            <a:r>
+              <a:rPr lang="en-US" altLang="ko-KR" dirty="0"/>
+              <a:t>, new File(path));</a:t>
+            </a:r>
+          </a:p>
+          <a:p>
+            <a:r>
+              <a:rPr lang="en-US" altLang="ko-KR" dirty="0"/>
+              <a:t>        } catch (</a:t>
+            </a:r>
+            <a:r>
+              <a:rPr lang="en-US" altLang="ko-KR" dirty="0" err="1"/>
+              <a:t>JAXBException</a:t>
+            </a:r>
+            <a:r>
+              <a:rPr lang="en-US" altLang="ko-KR" dirty="0"/>
+              <a:t> e) {</a:t>
+            </a:r>
+          </a:p>
+          <a:p>
+            <a:r>
+              <a:rPr lang="en-US" altLang="ko-KR" dirty="0"/>
+              <a:t>            </a:t>
+            </a:r>
+            <a:r>
+              <a:rPr lang="en-US" altLang="ko-KR" dirty="0" err="1"/>
+              <a:t>e.printStackTrace</a:t>
+            </a:r>
+            <a:r>
+              <a:rPr lang="en-US" altLang="ko-KR" dirty="0"/>
+              <a:t>();</a:t>
+            </a:r>
+          </a:p>
+          <a:p>
+            <a:r>
+              <a:rPr lang="en-US" altLang="ko-KR" dirty="0"/>
+              <a:t>        }</a:t>
+            </a:r>
+          </a:p>
+          <a:p>
+            <a:r>
+              <a:rPr lang="en-US" altLang="ko-KR" dirty="0"/>
+              <a:t>    }</a:t>
+            </a:r>
+            <a:endParaRPr lang="ko-KR" altLang="en-US" dirty="0"/>
+          </a:p>
+        </p:txBody>
+      </p:sp>
+    </p:spTree>
+    <p:extLst>
+      <p:ext uri="{BB962C8B-B14F-4D97-AF65-F5344CB8AC3E}">
+        <p14:creationId xmlns:p14="http://schemas.microsoft.com/office/powerpoint/2010/main" val="787982069"/>
+      </p:ext>
+    </p:extLst>
+  </p:cSld>
+  <p:clrMapOvr>
+    <a:masterClrMapping/>
+  </p:clrMapOvr>
+</p:sld>
+</file>
+
+<file path=ppt/slides/slide11.xml><?xml version="1.0" encoding="utf-8"?>
+<p:sld xmlns:a="http://schemas.openxmlformats.org/drawingml/2006/main" xmlns:r="http://schemas.openxmlformats.org/officeDocument/2006/relationships" xmlns:p="http://schemas.openxmlformats.org/presentationml/2006/main">
+  <p:cSld>
+    <p:spTree>
+      <p:nvGrpSpPr>
+        <p:cNvPr id="1" name=""/>
+        <p:cNvGrpSpPr/>
+        <p:nvPr/>
+      </p:nvGrpSpPr>
+      <p:grpSpPr>
+        <a:xfrm>
+          <a:off x="0" y="0"/>
+          <a:ext cx="0" cy="0"/>
+          <a:chOff x="0" y="0"/>
+          <a:chExt cx="0" cy="0"/>
+        </a:xfrm>
+      </p:grpSpPr>
+      <p:sp>
+        <p:nvSpPr>
+          <p:cNvPr id="2" name="제목 1">
+            <a:extLst>
+              <a:ext uri="{FF2B5EF4-FFF2-40B4-BE49-F238E27FC236}">
+                <a16:creationId xmlns:a16="http://schemas.microsoft.com/office/drawing/2014/main" id="{A57DE61D-D537-4FA6-9094-83E9E0A287B6}"/>
+              </a:ext>
+            </a:extLst>
+          </p:cNvPr>
+          <p:cNvSpPr>
+            <a:spLocks noGrp="1"/>
+          </p:cNvSpPr>
+          <p:nvPr>
+            <p:ph type="title"/>
+          </p:nvPr>
+        </p:nvSpPr>
+        <p:spPr/>
+        <p:txBody>
+          <a:bodyPr/>
+          <a:lstStyle/>
+          <a:p>
+            <a:r>
+              <a:rPr lang="en-US" altLang="ko-KR" dirty="0" err="1"/>
+              <a:t>aeatUnmarshalling</a:t>
+            </a:r>
+            <a:r>
+              <a:rPr lang="en-US" altLang="ko-KR" dirty="0"/>
+              <a:t>(String)</a:t>
+            </a:r>
+            <a:endParaRPr lang="ko-KR" altLang="en-US" dirty="0"/>
+          </a:p>
+        </p:txBody>
+      </p:sp>
+      <p:sp>
+        <p:nvSpPr>
+          <p:cNvPr id="4" name="TextBox 3">
+            <a:extLst>
+              <a:ext uri="{FF2B5EF4-FFF2-40B4-BE49-F238E27FC236}">
+                <a16:creationId xmlns:a16="http://schemas.microsoft.com/office/drawing/2014/main" id="{F927D36D-DD50-4E8F-811C-1C9C49A06149}"/>
+              </a:ext>
+            </a:extLst>
+          </p:cNvPr>
+          <p:cNvSpPr txBox="1"/>
+          <p:nvPr/>
+        </p:nvSpPr>
+        <p:spPr>
+          <a:xfrm>
+            <a:off x="216024" y="2060848"/>
+            <a:ext cx="8604448" cy="3385542"/>
+          </a:xfrm>
+          <a:prstGeom prst="rect">
+            <a:avLst/>
+          </a:prstGeom>
+          <a:noFill/>
+        </p:spPr>
+        <p:txBody>
+          <a:bodyPr wrap="square" rtlCol="0">
+            <a:spAutoFit/>
+          </a:bodyPr>
+          <a:lstStyle/>
+          <a:p>
+            <a:r>
+              <a:rPr lang="en-US" altLang="ko-KR" sz="1600" dirty="0"/>
+              <a:t>private </a:t>
+            </a:r>
+            <a:r>
+              <a:rPr lang="en-US" altLang="ko-KR" sz="1600" dirty="0" err="1"/>
+              <a:t>AEATType</a:t>
+            </a:r>
+            <a:r>
+              <a:rPr lang="en-US" altLang="ko-KR" sz="1600" dirty="0"/>
+              <a:t> </a:t>
+            </a:r>
+            <a:r>
+              <a:rPr lang="en-US" altLang="ko-KR" sz="1600" dirty="0" err="1"/>
+              <a:t>aeatUnmarshalling</a:t>
+            </a:r>
+            <a:r>
+              <a:rPr lang="en-US" altLang="ko-KR" sz="1600" dirty="0"/>
+              <a:t>(String path) {</a:t>
+            </a:r>
+          </a:p>
+          <a:p>
+            <a:r>
+              <a:rPr lang="en-US" altLang="ko-KR" sz="1600" dirty="0"/>
+              <a:t>        </a:t>
+            </a:r>
+            <a:r>
+              <a:rPr lang="en-US" altLang="ko-KR" sz="1600" dirty="0" err="1"/>
+              <a:t>AEATType</a:t>
+            </a:r>
+            <a:r>
+              <a:rPr lang="en-US" altLang="ko-KR" sz="1600" dirty="0"/>
+              <a:t> </a:t>
+            </a:r>
+            <a:r>
+              <a:rPr lang="en-US" altLang="ko-KR" sz="1600" dirty="0" err="1"/>
+              <a:t>aeat</a:t>
+            </a:r>
+            <a:r>
+              <a:rPr lang="en-US" altLang="ko-KR" sz="1600" dirty="0"/>
+              <a:t> = null;</a:t>
+            </a:r>
+          </a:p>
+          <a:p>
+            <a:r>
+              <a:rPr lang="en-US" altLang="ko-KR" sz="1600" dirty="0"/>
+              <a:t>        try {</a:t>
+            </a:r>
+          </a:p>
+          <a:p>
+            <a:r>
+              <a:rPr lang="en-US" altLang="ko-KR" sz="1600" dirty="0"/>
+              <a:t>            File </a:t>
+            </a:r>
+            <a:r>
+              <a:rPr lang="en-US" altLang="ko-KR" sz="1600" dirty="0" err="1"/>
+              <a:t>file</a:t>
+            </a:r>
+            <a:r>
+              <a:rPr lang="en-US" altLang="ko-KR" sz="1600" dirty="0"/>
+              <a:t> = new File(path);</a:t>
+            </a:r>
+          </a:p>
+          <a:p>
+            <a:r>
+              <a:rPr lang="en-US" altLang="ko-KR" sz="1600" dirty="0"/>
+              <a:t>            </a:t>
+            </a:r>
+            <a:r>
+              <a:rPr lang="en-US" altLang="ko-KR" sz="1600" dirty="0" err="1"/>
+              <a:t>JAXBContext</a:t>
+            </a:r>
+            <a:r>
+              <a:rPr lang="en-US" altLang="ko-KR" sz="1600" dirty="0"/>
+              <a:t> </a:t>
+            </a:r>
+            <a:r>
+              <a:rPr lang="en-US" altLang="ko-KR" sz="1600" dirty="0" err="1"/>
+              <a:t>jaxbContext</a:t>
+            </a:r>
+            <a:r>
+              <a:rPr lang="en-US" altLang="ko-KR" sz="1600" dirty="0"/>
+              <a:t> = </a:t>
+            </a:r>
+            <a:r>
+              <a:rPr lang="en-US" altLang="ko-KR" sz="1600" dirty="0" err="1"/>
+              <a:t>JAXBContext.newInstance</a:t>
+            </a:r>
+            <a:r>
+              <a:rPr lang="en-US" altLang="ko-KR" sz="1600" dirty="0"/>
+              <a:t>(</a:t>
+            </a:r>
+            <a:r>
+              <a:rPr lang="en-US" altLang="ko-KR" sz="1600" dirty="0" err="1"/>
+              <a:t>AEATType.class</a:t>
+            </a:r>
+            <a:r>
+              <a:rPr lang="en-US" altLang="ko-KR" sz="1600" dirty="0"/>
+              <a:t>);</a:t>
+            </a:r>
+          </a:p>
+          <a:p>
+            <a:r>
+              <a:rPr lang="en-US" altLang="ko-KR" sz="1600" dirty="0"/>
+              <a:t>            </a:t>
+            </a:r>
+            <a:r>
+              <a:rPr lang="en-US" altLang="ko-KR" sz="1600" dirty="0" err="1"/>
+              <a:t>Unmarshaller</a:t>
+            </a:r>
+            <a:r>
+              <a:rPr lang="en-US" altLang="ko-KR" sz="1600" dirty="0"/>
+              <a:t> </a:t>
+            </a:r>
+            <a:r>
+              <a:rPr lang="en-US" altLang="ko-KR" sz="1600" dirty="0" err="1"/>
+              <a:t>jaxbUnmarshaller</a:t>
+            </a:r>
+            <a:r>
+              <a:rPr lang="en-US" altLang="ko-KR" sz="1600" dirty="0"/>
+              <a:t> = </a:t>
+            </a:r>
+            <a:r>
+              <a:rPr lang="en-US" altLang="ko-KR" sz="1600" dirty="0" err="1"/>
+              <a:t>jaxbContext.createUnmarshaller</a:t>
+            </a:r>
+            <a:r>
+              <a:rPr lang="en-US" altLang="ko-KR" sz="1600" dirty="0"/>
+              <a:t>();</a:t>
+            </a:r>
+          </a:p>
+          <a:p>
+            <a:r>
+              <a:rPr lang="en-US" altLang="ko-KR" sz="1600" dirty="0"/>
+              <a:t>            //XML </a:t>
+            </a:r>
+            <a:r>
+              <a:rPr lang="ko-KR" altLang="en-US" sz="1600" dirty="0"/>
+              <a:t>파일로부터 </a:t>
+            </a:r>
+            <a:r>
+              <a:rPr lang="en-US" altLang="ko-KR" sz="1600" dirty="0"/>
+              <a:t>AEATTYPE </a:t>
+            </a:r>
+            <a:r>
+              <a:rPr lang="ko-KR" altLang="en-US" sz="1600" dirty="0"/>
+              <a:t>객체 반환</a:t>
+            </a:r>
+          </a:p>
+          <a:p>
+            <a:r>
+              <a:rPr lang="ko-KR" altLang="en-US" sz="1600" dirty="0"/>
+              <a:t>            </a:t>
+            </a:r>
+            <a:r>
+              <a:rPr lang="en-US" altLang="ko-KR" sz="1600" dirty="0" err="1"/>
+              <a:t>aeat</a:t>
+            </a:r>
+            <a:r>
+              <a:rPr lang="en-US" altLang="ko-KR" sz="1600" dirty="0"/>
+              <a:t> = (</a:t>
+            </a:r>
+            <a:r>
+              <a:rPr lang="en-US" altLang="ko-KR" sz="1600" dirty="0" err="1"/>
+              <a:t>AEATType</a:t>
+            </a:r>
+            <a:r>
+              <a:rPr lang="en-US" altLang="ko-KR" sz="1600" dirty="0"/>
+              <a:t>) ((</a:t>
+            </a:r>
+            <a:r>
+              <a:rPr lang="en-US" altLang="ko-KR" sz="1600" dirty="0" err="1"/>
+              <a:t>JAXBElement</a:t>
+            </a:r>
+            <a:r>
+              <a:rPr lang="en-US" altLang="ko-KR" sz="1600" dirty="0"/>
+              <a:t>) </a:t>
+            </a:r>
+            <a:r>
+              <a:rPr lang="en-US" altLang="ko-KR" sz="1600" dirty="0" err="1"/>
+              <a:t>jaxbUnmarshaller.unmarshal</a:t>
+            </a:r>
+            <a:r>
+              <a:rPr lang="en-US" altLang="ko-KR" sz="1600" dirty="0"/>
+              <a:t>(file)).</a:t>
+            </a:r>
+            <a:r>
+              <a:rPr lang="en-US" altLang="ko-KR" sz="1600" dirty="0" err="1"/>
+              <a:t>getValue</a:t>
+            </a:r>
+            <a:r>
+              <a:rPr lang="en-US" altLang="ko-KR" sz="1600" dirty="0"/>
+              <a:t>();</a:t>
+            </a:r>
+          </a:p>
+          <a:p>
+            <a:r>
+              <a:rPr lang="en-US" altLang="ko-KR" sz="1600" dirty="0"/>
+              <a:t>        } catch (</a:t>
+            </a:r>
+            <a:r>
+              <a:rPr lang="en-US" altLang="ko-KR" sz="1600" dirty="0" err="1"/>
+              <a:t>JAXBException</a:t>
+            </a:r>
+            <a:r>
+              <a:rPr lang="en-US" altLang="ko-KR" sz="1600" dirty="0"/>
+              <a:t> e) {</a:t>
+            </a:r>
+          </a:p>
+          <a:p>
+            <a:r>
+              <a:rPr lang="en-US" altLang="ko-KR" sz="1600" dirty="0"/>
+              <a:t>            </a:t>
+            </a:r>
+            <a:r>
+              <a:rPr lang="en-US" altLang="ko-KR" sz="1600" dirty="0" err="1"/>
+              <a:t>e.printStackTrace</a:t>
+            </a:r>
+            <a:r>
+              <a:rPr lang="en-US" altLang="ko-KR" sz="1600" dirty="0"/>
+              <a:t>();</a:t>
+            </a:r>
+          </a:p>
+          <a:p>
+            <a:r>
+              <a:rPr lang="en-US" altLang="ko-KR" sz="1600" dirty="0"/>
+              <a:t>        }</a:t>
+            </a:r>
+          </a:p>
+          <a:p>
+            <a:r>
+              <a:rPr lang="en-US" altLang="ko-KR" sz="1600" dirty="0"/>
+              <a:t>        return </a:t>
+            </a:r>
+            <a:r>
+              <a:rPr lang="en-US" altLang="ko-KR" sz="1600" dirty="0" err="1"/>
+              <a:t>aeat</a:t>
+            </a:r>
+            <a:r>
+              <a:rPr lang="en-US" altLang="ko-KR" sz="1600" dirty="0"/>
+              <a:t>;</a:t>
+            </a:r>
+          </a:p>
+          <a:p>
+            <a:r>
+              <a:rPr lang="en-US" altLang="ko-KR" sz="1600" dirty="0"/>
+              <a:t>    }</a:t>
+            </a:r>
+            <a:endParaRPr lang="ko-KR" altLang="en-US" sz="1600" dirty="0"/>
+          </a:p>
+        </p:txBody>
+      </p:sp>
+    </p:spTree>
+    <p:extLst>
+      <p:ext uri="{BB962C8B-B14F-4D97-AF65-F5344CB8AC3E}">
+        <p14:creationId xmlns:p14="http://schemas.microsoft.com/office/powerpoint/2010/main" val="3200164447"/>
       </p:ext>
     </p:extLst>
   </p:cSld>

--- a/howToConfig.pptx
+++ b/howToConfig.pptx
@@ -3049,7 +3049,7 @@
           <p:cNvPr id="2" name="제목 1">
             <a:extLst>
               <a:ext uri="{FF2B5EF4-FFF2-40B4-BE49-F238E27FC236}">
-                <a16:creationId xmlns:a16="http://schemas.microsoft.com/office/drawing/2014/main" id="{F18C25A0-5CB7-49F1-8ED0-69083221CA31}"/>
+                <a16:creationId xmlns:a16="http://schemas.microsoft.com/office/drawing/2014/main" xmlns="" id="{F18C25A0-5CB7-49F1-8ED0-69083221CA31}"/>
               </a:ext>
             </a:extLst>
           </p:cNvPr>
@@ -3087,7 +3087,7 @@
           <p:cNvPr id="3" name="내용 개체 틀 2">
             <a:extLst>
               <a:ext uri="{FF2B5EF4-FFF2-40B4-BE49-F238E27FC236}">
-                <a16:creationId xmlns:a16="http://schemas.microsoft.com/office/drawing/2014/main" id="{961028B4-6651-4A2C-95FF-5E1E8E7AC960}"/>
+                <a16:creationId xmlns:a16="http://schemas.microsoft.com/office/drawing/2014/main" xmlns="" id="{961028B4-6651-4A2C-95FF-5E1E8E7AC960}"/>
               </a:ext>
             </a:extLst>
           </p:cNvPr>
@@ -3203,6 +3203,13 @@
   <p:clrMapOvr>
     <a:masterClrMapping/>
   </p:clrMapOvr>
+  <p:timing>
+    <p:tnLst>
+      <p:par>
+        <p:cTn id="1" dur="indefinite" restart="never" nodeType="tmRoot"/>
+      </p:par>
+    </p:tnLst>
+  </p:timing>
 </p:sld>
 </file>
 
@@ -3228,7 +3235,7 @@
           <p:cNvPr id="2" name="제목 1">
             <a:extLst>
               <a:ext uri="{FF2B5EF4-FFF2-40B4-BE49-F238E27FC236}">
-                <a16:creationId xmlns:a16="http://schemas.microsoft.com/office/drawing/2014/main" id="{3E768300-009F-49E2-98E6-C5F233A61D15}"/>
+                <a16:creationId xmlns:a16="http://schemas.microsoft.com/office/drawing/2014/main" xmlns="" id="{3E768300-009F-49E2-98E6-C5F233A61D15}"/>
               </a:ext>
             </a:extLst>
           </p:cNvPr>
@@ -3271,7 +3278,7 @@
           <p:cNvPr id="6" name="TextBox 5">
             <a:extLst>
               <a:ext uri="{FF2B5EF4-FFF2-40B4-BE49-F238E27FC236}">
-                <a16:creationId xmlns:a16="http://schemas.microsoft.com/office/drawing/2014/main" id="{2538230E-A73F-4F85-B72E-F140C51B15A1}"/>
+                <a16:creationId xmlns:a16="http://schemas.microsoft.com/office/drawing/2014/main" xmlns="" id="{2538230E-A73F-4F85-B72E-F140C51B15A1}"/>
               </a:ext>
             </a:extLst>
           </p:cNvPr>
@@ -3281,7 +3288,7 @@
         <p:spPr>
           <a:xfrm>
             <a:off x="446341" y="2132856"/>
-            <a:ext cx="8508740" cy="3139321"/>
+            <a:ext cx="8508740" cy="4247317"/>
           </a:xfrm>
           <a:prstGeom prst="rect">
             <a:avLst/>
@@ -3295,8 +3302,126 @@
           <a:lstStyle/>
           <a:p>
             <a:r>
-              <a:rPr lang="en-US" altLang="ko-KR" dirty="0"/>
-              <a:t>private void </a:t>
+              <a:rPr lang="en-US" altLang="ko-KR" dirty="0" smtClean="0"/>
+              <a:t>//</a:t>
+            </a:r>
+            <a:r>
+              <a:rPr lang="ko-KR" altLang="en-US" dirty="0" err="1" smtClean="0"/>
+              <a:t>메소드명</a:t>
+            </a:r>
+            <a:r>
+              <a:rPr lang="en-US" altLang="ko-KR" dirty="0" smtClean="0"/>
+              <a:t>:</a:t>
+            </a:r>
+            <a:r>
+              <a:rPr lang="en-US" altLang="ko-KR" dirty="0" err="1" smtClean="0"/>
+              <a:t>aeatMarshalling</a:t>
+            </a:r>
+            <a:r>
+              <a:rPr lang="en-US" altLang="ko-KR" dirty="0" smtClean="0"/>
+              <a:t>()</a:t>
+            </a:r>
+          </a:p>
+          <a:p>
+            <a:r>
+              <a:rPr lang="en-US" altLang="ko-KR" dirty="0" smtClean="0"/>
+              <a:t>//</a:t>
+            </a:r>
+            <a:r>
+              <a:rPr lang="ko-KR" altLang="en-US" dirty="0" smtClean="0"/>
+              <a:t>입력</a:t>
+            </a:r>
+            <a:r>
+              <a:rPr lang="en-US" altLang="ko-KR" dirty="0" smtClean="0"/>
+              <a:t>:</a:t>
+            </a:r>
+            <a:r>
+              <a:rPr lang="en-US" altLang="ko-KR" dirty="0" err="1" smtClean="0"/>
+              <a:t>aeat</a:t>
+            </a:r>
+            <a:r>
+              <a:rPr lang="en-US" altLang="ko-KR" dirty="0" smtClean="0"/>
+              <a:t> </a:t>
+            </a:r>
+            <a:r>
+              <a:rPr lang="ko-KR" altLang="en-US" dirty="0" err="1" smtClean="0"/>
+              <a:t>루트엘리먼트</a:t>
+            </a:r>
+            <a:r>
+              <a:rPr lang="ko-KR" altLang="en-US" dirty="0" smtClean="0"/>
+              <a:t> 객체</a:t>
+            </a:r>
+            <a:r>
+              <a:rPr lang="en-US" altLang="ko-KR" dirty="0" smtClean="0"/>
+              <a:t>(</a:t>
+            </a:r>
+            <a:r>
+              <a:rPr lang="en-US" altLang="ko-KR" dirty="0" err="1" smtClean="0"/>
+              <a:t>AEATType</a:t>
+            </a:r>
+            <a:r>
+              <a:rPr lang="en-US" altLang="ko-KR" dirty="0" smtClean="0"/>
+              <a:t>), </a:t>
+            </a:r>
+            <a:r>
+              <a:rPr lang="ko-KR" altLang="en-US" dirty="0" err="1" smtClean="0"/>
+              <a:t>마샬링할</a:t>
+            </a:r>
+            <a:r>
+              <a:rPr lang="ko-KR" altLang="en-US" dirty="0" smtClean="0"/>
+              <a:t> 파일 경로 및 이름</a:t>
+            </a:r>
+            <a:r>
+              <a:rPr lang="en-US" altLang="ko-KR" dirty="0" smtClean="0"/>
+              <a:t>(String)</a:t>
+            </a:r>
+          </a:p>
+          <a:p>
+            <a:r>
+              <a:rPr lang="en-US" altLang="ko-KR" dirty="0" smtClean="0"/>
+              <a:t>//</a:t>
+            </a:r>
+            <a:r>
+              <a:rPr lang="ko-KR" altLang="en-US" dirty="0" smtClean="0"/>
+              <a:t>출력</a:t>
+            </a:r>
+            <a:r>
+              <a:rPr lang="en-US" altLang="ko-KR" dirty="0" smtClean="0"/>
+              <a:t>:</a:t>
+            </a:r>
+            <a:r>
+              <a:rPr lang="ko-KR" altLang="en-US" dirty="0" smtClean="0"/>
+              <a:t>없음</a:t>
+            </a:r>
+            <a:endParaRPr lang="en-US" altLang="ko-KR" dirty="0" smtClean="0"/>
+          </a:p>
+          <a:p>
+            <a:r>
+              <a:rPr lang="en-US" altLang="ko-KR" dirty="0" smtClean="0"/>
+              <a:t>//</a:t>
+            </a:r>
+            <a:r>
+              <a:rPr lang="ko-KR" altLang="en-US" dirty="0" smtClean="0"/>
+              <a:t>부수효과</a:t>
+            </a:r>
+            <a:r>
+              <a:rPr lang="en-US" altLang="ko-KR" dirty="0" smtClean="0"/>
+              <a:t>:</a:t>
+            </a:r>
+            <a:r>
+              <a:rPr lang="ko-KR" altLang="en-US" dirty="0" smtClean="0"/>
+              <a:t>없음</a:t>
+            </a:r>
+            <a:endParaRPr lang="en-US" altLang="ko-KR" dirty="0" smtClean="0"/>
+          </a:p>
+          <a:p>
+            <a:r>
+              <a:rPr lang="en-US" altLang="ko-KR" dirty="0" smtClean="0"/>
+              <a:t>private </a:t>
+            </a:r>
+            <a:r>
+              <a:rPr lang="en-US" altLang="ko-KR" dirty="0"/>
+              <a:t>void </a:t>
             </a:r>
             <a:r>
               <a:rPr lang="en-US" altLang="ko-KR" dirty="0" err="1"/>
@@ -3422,28 +3547,9 @@
           <a:p>
             <a:r>
               <a:rPr lang="en-US" altLang="ko-KR" dirty="0"/>
-              <a:t>            //</a:t>
-            </a:r>
-            <a:r>
-              <a:rPr lang="en-US" altLang="ko-KR" dirty="0" err="1"/>
-              <a:t>AEATType</a:t>
-            </a:r>
-            <a:r>
-              <a:rPr lang="en-US" altLang="ko-KR" dirty="0"/>
-              <a:t> </a:t>
-            </a:r>
-            <a:r>
-              <a:rPr lang="ko-KR" altLang="en-US" dirty="0"/>
-              <a:t>객체를 </a:t>
-            </a:r>
-            <a:r>
-              <a:rPr lang="en-US" altLang="ko-KR" dirty="0"/>
-              <a:t>"path" </a:t>
-            </a:r>
-            <a:r>
-              <a:rPr lang="ko-KR" altLang="en-US" dirty="0"/>
-              <a:t>경로에 파일로 저장            </a:t>
-            </a:r>
+              <a:t>            </a:t>
+            </a:r>
+            <a:endParaRPr lang="ko-KR" altLang="en-US" dirty="0"/>
           </a:p>
           <a:p>
             <a:r>
@@ -3520,6 +3626,13 @@
   <p:clrMapOvr>
     <a:masterClrMapping/>
   </p:clrMapOvr>
+  <p:timing>
+    <p:tnLst>
+      <p:par>
+        <p:cTn id="1" dur="indefinite" restart="never" nodeType="tmRoot"/>
+      </p:par>
+    </p:tnLst>
+  </p:timing>
 </p:sld>
 </file>
 
@@ -3545,7 +3658,7 @@
           <p:cNvPr id="2" name="제목 1">
             <a:extLst>
               <a:ext uri="{FF2B5EF4-FFF2-40B4-BE49-F238E27FC236}">
-                <a16:creationId xmlns:a16="http://schemas.microsoft.com/office/drawing/2014/main" id="{A57DE61D-D537-4FA6-9094-83E9E0A287B6}"/>
+                <a16:creationId xmlns:a16="http://schemas.microsoft.com/office/drawing/2014/main" xmlns="" id="{A57DE61D-D537-4FA6-9094-83E9E0A287B6}"/>
               </a:ext>
             </a:extLst>
           </p:cNvPr>
@@ -3578,7 +3691,7 @@
           <p:cNvPr id="4" name="TextBox 3">
             <a:extLst>
               <a:ext uri="{FF2B5EF4-FFF2-40B4-BE49-F238E27FC236}">
-                <a16:creationId xmlns:a16="http://schemas.microsoft.com/office/drawing/2014/main" id="{F927D36D-DD50-4E8F-811C-1C9C49A06149}"/>
+                <a16:creationId xmlns:a16="http://schemas.microsoft.com/office/drawing/2014/main" xmlns="" id="{F927D36D-DD50-4E8F-811C-1C9C49A06149}"/>
               </a:ext>
             </a:extLst>
           </p:cNvPr>
@@ -3587,8 +3700,8 @@
         </p:nvSpPr>
         <p:spPr>
           <a:xfrm>
-            <a:off x="216024" y="2060848"/>
-            <a:ext cx="8604448" cy="3385542"/>
+            <a:off x="216024" y="2080007"/>
+            <a:ext cx="8604448" cy="4031873"/>
           </a:xfrm>
           <a:prstGeom prst="rect">
             <a:avLst/>
@@ -3602,7 +3715,109 @@
           <a:lstStyle/>
           <a:p>
             <a:r>
-              <a:rPr lang="en-US" altLang="ko-KR" sz="1600" dirty="0"/>
+              <a:rPr lang="en-US" altLang="ko-KR" sz="1600" dirty="0" smtClean="0"/>
+              <a:t>//</a:t>
+            </a:r>
+            <a:r>
+              <a:rPr lang="ko-KR" altLang="en-US" sz="1600" dirty="0" err="1" smtClean="0"/>
+              <a:t>메소드명</a:t>
+            </a:r>
+            <a:r>
+              <a:rPr lang="en-US" altLang="ko-KR" sz="1600" dirty="0" smtClean="0"/>
+              <a:t>: </a:t>
+            </a:r>
+            <a:r>
+              <a:rPr lang="en-US" altLang="ko-KR" sz="1600" dirty="0" err="1" smtClean="0"/>
+              <a:t>aeatUnmarshalling</a:t>
+            </a:r>
+            <a:r>
+              <a:rPr lang="en-US" altLang="ko-KR" sz="1600" dirty="0" smtClean="0"/>
+              <a:t>()</a:t>
+            </a:r>
+          </a:p>
+          <a:p>
+            <a:r>
+              <a:rPr lang="en-US" altLang="ko-KR" sz="1600" dirty="0" smtClean="0"/>
+              <a:t>//</a:t>
+            </a:r>
+            <a:r>
+              <a:rPr lang="ko-KR" altLang="en-US" sz="1600" dirty="0" smtClean="0"/>
+              <a:t>입력</a:t>
+            </a:r>
+            <a:r>
+              <a:rPr lang="en-US" altLang="ko-KR" sz="1600" dirty="0" smtClean="0"/>
+              <a:t>:</a:t>
+            </a:r>
+            <a:r>
+              <a:rPr lang="ko-KR" altLang="en-US" sz="1600" dirty="0" smtClean="0"/>
+              <a:t>불러올 파일 경로 및 이름</a:t>
+            </a:r>
+            <a:r>
+              <a:rPr lang="en-US" altLang="ko-KR" sz="1600" dirty="0" smtClean="0"/>
+              <a:t>(String)</a:t>
+            </a:r>
+          </a:p>
+          <a:p>
+            <a:r>
+              <a:rPr lang="en-US" altLang="ko-KR" sz="1600" dirty="0" smtClean="0"/>
+              <a:t>//</a:t>
+            </a:r>
+            <a:r>
+              <a:rPr lang="ko-KR" altLang="en-US" sz="1600" dirty="0" smtClean="0"/>
+              <a:t>출력</a:t>
+            </a:r>
+            <a:r>
+              <a:rPr lang="en-US" altLang="ko-KR" sz="1600" dirty="0" smtClean="0"/>
+              <a:t>:</a:t>
+            </a:r>
+            <a:r>
+              <a:rPr lang="ko-KR" altLang="en-US" sz="1600" dirty="0" err="1" smtClean="0"/>
+              <a:t>언마샬링한</a:t>
+            </a:r>
+            <a:r>
+              <a:rPr lang="ko-KR" altLang="en-US" sz="1600" dirty="0" smtClean="0"/>
+              <a:t> </a:t>
+            </a:r>
+            <a:r>
+              <a:rPr lang="en-US" altLang="ko-KR" sz="1600" dirty="0" smtClean="0"/>
+              <a:t>xml </a:t>
+            </a:r>
+            <a:r>
+              <a:rPr lang="ko-KR" altLang="en-US" sz="1600" dirty="0" smtClean="0"/>
+              <a:t>파일 </a:t>
+            </a:r>
+            <a:r>
+              <a:rPr lang="ko-KR" altLang="en-US" sz="1600" dirty="0" err="1" smtClean="0"/>
+              <a:t>루트엘리먼트</a:t>
+            </a:r>
+            <a:r>
+              <a:rPr lang="ko-KR" altLang="en-US" sz="1600" dirty="0" smtClean="0"/>
+              <a:t> 객체</a:t>
+            </a:r>
+            <a:endParaRPr lang="en-US" altLang="ko-KR" sz="1600" dirty="0" smtClean="0"/>
+          </a:p>
+          <a:p>
+            <a:r>
+              <a:rPr lang="en-US" altLang="ko-KR" sz="1600" dirty="0" smtClean="0"/>
+              <a:t>//</a:t>
+            </a:r>
+            <a:r>
+              <a:rPr lang="ko-KR" altLang="en-US" sz="1600" dirty="0" smtClean="0"/>
+              <a:t>부수효과</a:t>
+            </a:r>
+            <a:r>
+              <a:rPr lang="en-US" altLang="ko-KR" sz="1600" dirty="0" smtClean="0"/>
+              <a:t>:</a:t>
+            </a:r>
+            <a:r>
+              <a:rPr lang="ko-KR" altLang="en-US" sz="1600" dirty="0" smtClean="0"/>
+              <a:t>없음</a:t>
+            </a:r>
+            <a:endParaRPr lang="en-US" altLang="ko-KR" sz="1600" dirty="0" smtClean="0"/>
+          </a:p>
+          <a:p>
+            <a:r>
+              <a:rPr lang="en-US" altLang="ko-KR" sz="1600" dirty="0" smtClean="0"/>
               <a:t>private </a:t>
             </a:r>
             <a:r>
@@ -3734,34 +3949,20 @@
           </a:p>
           <a:p>
             <a:r>
+              <a:rPr lang="en-US" altLang="ko-KR" sz="1600" dirty="0" smtClean="0"/>
+              <a:t>	</a:t>
+            </a:r>
+            <a:r>
+              <a:rPr lang="en-US" altLang="ko-KR" sz="1600" dirty="0" err="1" smtClean="0"/>
+              <a:t>aeat</a:t>
+            </a:r>
+            <a:r>
+              <a:rPr lang="en-US" altLang="ko-KR" sz="1600" dirty="0" smtClean="0"/>
+              <a:t> </a:t>
+            </a:r>
+            <a:r>
               <a:rPr lang="en-US" altLang="ko-KR" sz="1600" dirty="0"/>
-              <a:t>            //XML </a:t>
-            </a:r>
-            <a:r>
-              <a:rPr lang="ko-KR" altLang="en-US" sz="1600" dirty="0"/>
-              <a:t>파일로부터 </a:t>
-            </a:r>
-            <a:r>
-              <a:rPr lang="en-US" altLang="ko-KR" sz="1600" dirty="0"/>
-              <a:t>AEATTYPE </a:t>
-            </a:r>
-            <a:r>
-              <a:rPr lang="ko-KR" altLang="en-US" sz="1600" dirty="0"/>
-              <a:t>객체 반환</a:t>
-            </a:r>
-          </a:p>
-          <a:p>
-            <a:r>
-              <a:rPr lang="ko-KR" altLang="en-US" sz="1600" dirty="0"/>
-              <a:t>            </a:t>
-            </a:r>
-            <a:r>
-              <a:rPr lang="en-US" altLang="ko-KR" sz="1600" dirty="0" err="1"/>
-              <a:t>aeat</a:t>
-            </a:r>
-            <a:r>
-              <a:rPr lang="en-US" altLang="ko-KR" sz="1600" dirty="0"/>
-              <a:t> = (</a:t>
+              <a:t>= (</a:t>
             </a:r>
             <a:r>
               <a:rPr lang="en-US" altLang="ko-KR" sz="1600" dirty="0" err="1"/>
@@ -3863,6 +4064,13 @@
   <p:clrMapOvr>
     <a:masterClrMapping/>
   </p:clrMapOvr>
+  <p:timing>
+    <p:tnLst>
+      <p:par>
+        <p:cTn id="1" dur="indefinite" restart="never" nodeType="tmRoot"/>
+      </p:par>
+    </p:tnLst>
+  </p:timing>
 </p:sld>
 </file>
 
@@ -4219,6 +4427,13 @@
   <p:clrMapOvr>
     <a:masterClrMapping/>
   </p:clrMapOvr>
+  <p:timing>
+    <p:tnLst>
+      <p:par>
+        <p:cTn id="1" dur="indefinite" restart="never" nodeType="tmRoot"/>
+      </p:par>
+    </p:tnLst>
+  </p:timing>
 </p:sld>
 </file>
 
@@ -4244,7 +4459,7 @@
           <p:cNvPr id="3" name="그림 2">
             <a:extLst>
               <a:ext uri="{FF2B5EF4-FFF2-40B4-BE49-F238E27FC236}">
-                <a16:creationId xmlns:a16="http://schemas.microsoft.com/office/drawing/2014/main" id="{08EB8BB4-795F-41B2-9247-D16C48E3A46C}"/>
+                <a16:creationId xmlns:a16="http://schemas.microsoft.com/office/drawing/2014/main" xmlns="" id="{08EB8BB4-795F-41B2-9247-D16C48E3A46C}"/>
               </a:ext>
             </a:extLst>
           </p:cNvPr>
@@ -4401,7 +4616,7 @@
           <p:cNvPr id="4" name="그림 3">
             <a:extLst>
               <a:ext uri="{FF2B5EF4-FFF2-40B4-BE49-F238E27FC236}">
-                <a16:creationId xmlns:a16="http://schemas.microsoft.com/office/drawing/2014/main" id="{011B7021-9496-486F-8A9F-6FA1F2626DEE}"/>
+                <a16:creationId xmlns:a16="http://schemas.microsoft.com/office/drawing/2014/main" xmlns="" id="{011B7021-9496-486F-8A9F-6FA1F2626DEE}"/>
               </a:ext>
             </a:extLst>
           </p:cNvPr>
@@ -4431,7 +4646,7 @@
           <p:cNvPr id="11" name="직사각형 10">
             <a:extLst>
               <a:ext uri="{FF2B5EF4-FFF2-40B4-BE49-F238E27FC236}">
-                <a16:creationId xmlns:a16="http://schemas.microsoft.com/office/drawing/2014/main" id="{3E48D120-FBF2-4FD2-BDD3-FBC80181A43D}"/>
+                <a16:creationId xmlns:a16="http://schemas.microsoft.com/office/drawing/2014/main" xmlns="" id="{3E48D120-FBF2-4FD2-BDD3-FBC80181A43D}"/>
               </a:ext>
             </a:extLst>
           </p:cNvPr>
@@ -4483,7 +4698,7 @@
           <p:cNvPr id="7" name="화살표: 아래쪽 6">
             <a:extLst>
               <a:ext uri="{FF2B5EF4-FFF2-40B4-BE49-F238E27FC236}">
-                <a16:creationId xmlns:a16="http://schemas.microsoft.com/office/drawing/2014/main" id="{756EEB26-3974-46E1-A587-69AF27497A07}"/>
+                <a16:creationId xmlns:a16="http://schemas.microsoft.com/office/drawing/2014/main" xmlns="" id="{756EEB26-3974-46E1-A587-69AF27497A07}"/>
               </a:ext>
             </a:extLst>
           </p:cNvPr>
@@ -4532,7 +4747,7 @@
           <p:cNvPr id="12" name="TextBox 11">
             <a:extLst>
               <a:ext uri="{FF2B5EF4-FFF2-40B4-BE49-F238E27FC236}">
-                <a16:creationId xmlns:a16="http://schemas.microsoft.com/office/drawing/2014/main" id="{F456152E-662E-422D-A6BA-128DF88EC32F}"/>
+                <a16:creationId xmlns:a16="http://schemas.microsoft.com/office/drawing/2014/main" xmlns="" id="{F456152E-662E-422D-A6BA-128DF88EC32F}"/>
               </a:ext>
             </a:extLst>
           </p:cNvPr>
@@ -4584,6 +4799,13 @@
   <p:clrMapOvr>
     <a:masterClrMapping/>
   </p:clrMapOvr>
+  <p:timing>
+    <p:tnLst>
+      <p:par>
+        <p:cTn id="1" dur="indefinite" restart="never" nodeType="tmRoot"/>
+      </p:par>
+    </p:tnLst>
+  </p:timing>
 </p:sld>
 </file>
 
@@ -4737,6 +4959,13 @@
   <p:clrMapOvr>
     <a:masterClrMapping/>
   </p:clrMapOvr>
+  <p:timing>
+    <p:tnLst>
+      <p:par>
+        <p:cTn id="1" dur="indefinite" restart="never" nodeType="tmRoot"/>
+      </p:par>
+    </p:tnLst>
+  </p:timing>
 </p:sld>
 </file>
 
@@ -4890,6 +5119,13 @@
   <p:clrMapOvr>
     <a:masterClrMapping/>
   </p:clrMapOvr>
+  <p:timing>
+    <p:tnLst>
+      <p:par>
+        <p:cTn id="1" dur="indefinite" restart="never" nodeType="tmRoot"/>
+      </p:par>
+    </p:tnLst>
+  </p:timing>
 </p:sld>
 </file>
 
@@ -5029,6 +5265,13 @@
   <p:clrMapOvr>
     <a:masterClrMapping/>
   </p:clrMapOvr>
+  <p:timing>
+    <p:tnLst>
+      <p:par>
+        <p:cTn id="1" dur="indefinite" restart="never" nodeType="tmRoot"/>
+      </p:par>
+    </p:tnLst>
+  </p:timing>
 </p:sld>
 </file>
 
@@ -5188,6 +5431,13 @@
   <p:clrMapOvr>
     <a:masterClrMapping/>
   </p:clrMapOvr>
+  <p:timing>
+    <p:tnLst>
+      <p:par>
+        <p:cTn id="1" dur="indefinite" restart="never" nodeType="tmRoot"/>
+      </p:par>
+    </p:tnLst>
+  </p:timing>
 </p:sld>
 </file>
 
@@ -5213,7 +5463,7 @@
           <p:cNvPr id="4" name="그림 3">
             <a:extLst>
               <a:ext uri="{FF2B5EF4-FFF2-40B4-BE49-F238E27FC236}">
-                <a16:creationId xmlns:a16="http://schemas.microsoft.com/office/drawing/2014/main" id="{90C9484D-C9CD-4EFE-99F9-8AEFB2E573B2}"/>
+                <a16:creationId xmlns:a16="http://schemas.microsoft.com/office/drawing/2014/main" xmlns="" id="{90C9484D-C9CD-4EFE-99F9-8AEFB2E573B2}"/>
               </a:ext>
             </a:extLst>
           </p:cNvPr>
@@ -5536,6 +5786,13 @@
   <p:clrMapOvr>
     <a:masterClrMapping/>
   </p:clrMapOvr>
+  <p:timing>
+    <p:tnLst>
+      <p:par>
+        <p:cTn id="1" dur="indefinite" restart="never" nodeType="tmRoot"/>
+      </p:par>
+    </p:tnLst>
+  </p:timing>
 </p:sld>
 </file>
 
@@ -5715,6 +5972,13 @@
   <p:clrMapOvr>
     <a:masterClrMapping/>
   </p:clrMapOvr>
+  <p:timing>
+    <p:tnLst>
+      <p:par>
+        <p:cTn id="1" dur="indefinite" restart="never" nodeType="tmRoot"/>
+      </p:par>
+    </p:tnLst>
+  </p:timing>
 </p:sld>
 </file>
 

--- a/howToConfig.pptx
+++ b/howToConfig.pptx
@@ -3049,7 +3049,7 @@
           <p:cNvPr id="2" name="제목 1">
             <a:extLst>
               <a:ext uri="{FF2B5EF4-FFF2-40B4-BE49-F238E27FC236}">
-                <a16:creationId xmlns:a16="http://schemas.microsoft.com/office/drawing/2014/main" xmlns="" id="{F18C25A0-5CB7-49F1-8ED0-69083221CA31}"/>
+                <a16:creationId xmlns="" xmlns:a16="http://schemas.microsoft.com/office/drawing/2014/main" id="{F18C25A0-5CB7-49F1-8ED0-69083221CA31}"/>
               </a:ext>
             </a:extLst>
           </p:cNvPr>
@@ -3087,7 +3087,7 @@
           <p:cNvPr id="3" name="내용 개체 틀 2">
             <a:extLst>
               <a:ext uri="{FF2B5EF4-FFF2-40B4-BE49-F238E27FC236}">
-                <a16:creationId xmlns:a16="http://schemas.microsoft.com/office/drawing/2014/main" xmlns="" id="{961028B4-6651-4A2C-95FF-5E1E8E7AC960}"/>
+                <a16:creationId xmlns="" xmlns:a16="http://schemas.microsoft.com/office/drawing/2014/main" id="{961028B4-6651-4A2C-95FF-5E1E8E7AC960}"/>
               </a:ext>
             </a:extLst>
           </p:cNvPr>
@@ -3235,7 +3235,7 @@
           <p:cNvPr id="2" name="제목 1">
             <a:extLst>
               <a:ext uri="{FF2B5EF4-FFF2-40B4-BE49-F238E27FC236}">
-                <a16:creationId xmlns:a16="http://schemas.microsoft.com/office/drawing/2014/main" xmlns="" id="{3E768300-009F-49E2-98E6-C5F233A61D15}"/>
+                <a16:creationId xmlns="" xmlns:a16="http://schemas.microsoft.com/office/drawing/2014/main" id="{3E768300-009F-49E2-98E6-C5F233A61D15}"/>
               </a:ext>
             </a:extLst>
           </p:cNvPr>
@@ -3278,7 +3278,7 @@
           <p:cNvPr id="6" name="TextBox 5">
             <a:extLst>
               <a:ext uri="{FF2B5EF4-FFF2-40B4-BE49-F238E27FC236}">
-                <a16:creationId xmlns:a16="http://schemas.microsoft.com/office/drawing/2014/main" xmlns="" id="{2538230E-A73F-4F85-B72E-F140C51B15A1}"/>
+                <a16:creationId xmlns="" xmlns:a16="http://schemas.microsoft.com/office/drawing/2014/main" id="{2538230E-A73F-4F85-B72E-F140C51B15A1}"/>
               </a:ext>
             </a:extLst>
           </p:cNvPr>
@@ -3658,7 +3658,7 @@
           <p:cNvPr id="2" name="제목 1">
             <a:extLst>
               <a:ext uri="{FF2B5EF4-FFF2-40B4-BE49-F238E27FC236}">
-                <a16:creationId xmlns:a16="http://schemas.microsoft.com/office/drawing/2014/main" xmlns="" id="{A57DE61D-D537-4FA6-9094-83E9E0A287B6}"/>
+                <a16:creationId xmlns="" xmlns:a16="http://schemas.microsoft.com/office/drawing/2014/main" id="{A57DE61D-D537-4FA6-9094-83E9E0A287B6}"/>
               </a:ext>
             </a:extLst>
           </p:cNvPr>
@@ -3691,7 +3691,7 @@
           <p:cNvPr id="4" name="TextBox 3">
             <a:extLst>
               <a:ext uri="{FF2B5EF4-FFF2-40B4-BE49-F238E27FC236}">
-                <a16:creationId xmlns:a16="http://schemas.microsoft.com/office/drawing/2014/main" xmlns="" id="{F927D36D-DD50-4E8F-811C-1C9C49A06149}"/>
+                <a16:creationId xmlns="" xmlns:a16="http://schemas.microsoft.com/office/drawing/2014/main" id="{F927D36D-DD50-4E8F-811C-1C9C49A06149}"/>
               </a:ext>
             </a:extLst>
           </p:cNvPr>
@@ -4459,7 +4459,7 @@
           <p:cNvPr id="3" name="그림 2">
             <a:extLst>
               <a:ext uri="{FF2B5EF4-FFF2-40B4-BE49-F238E27FC236}">
-                <a16:creationId xmlns:a16="http://schemas.microsoft.com/office/drawing/2014/main" xmlns="" id="{08EB8BB4-795F-41B2-9247-D16C48E3A46C}"/>
+                <a16:creationId xmlns="" xmlns:a16="http://schemas.microsoft.com/office/drawing/2014/main" id="{08EB8BB4-795F-41B2-9247-D16C48E3A46C}"/>
               </a:ext>
             </a:extLst>
           </p:cNvPr>
@@ -4616,7 +4616,7 @@
           <p:cNvPr id="4" name="그림 3">
             <a:extLst>
               <a:ext uri="{FF2B5EF4-FFF2-40B4-BE49-F238E27FC236}">
-                <a16:creationId xmlns:a16="http://schemas.microsoft.com/office/drawing/2014/main" xmlns="" id="{011B7021-9496-486F-8A9F-6FA1F2626DEE}"/>
+                <a16:creationId xmlns="" xmlns:a16="http://schemas.microsoft.com/office/drawing/2014/main" id="{011B7021-9496-486F-8A9F-6FA1F2626DEE}"/>
               </a:ext>
             </a:extLst>
           </p:cNvPr>
@@ -4646,7 +4646,7 @@
           <p:cNvPr id="11" name="직사각형 10">
             <a:extLst>
               <a:ext uri="{FF2B5EF4-FFF2-40B4-BE49-F238E27FC236}">
-                <a16:creationId xmlns:a16="http://schemas.microsoft.com/office/drawing/2014/main" xmlns="" id="{3E48D120-FBF2-4FD2-BDD3-FBC80181A43D}"/>
+                <a16:creationId xmlns="" xmlns:a16="http://schemas.microsoft.com/office/drawing/2014/main" id="{3E48D120-FBF2-4FD2-BDD3-FBC80181A43D}"/>
               </a:ext>
             </a:extLst>
           </p:cNvPr>
@@ -4698,7 +4698,7 @@
           <p:cNvPr id="7" name="화살표: 아래쪽 6">
             <a:extLst>
               <a:ext uri="{FF2B5EF4-FFF2-40B4-BE49-F238E27FC236}">
-                <a16:creationId xmlns:a16="http://schemas.microsoft.com/office/drawing/2014/main" xmlns="" id="{756EEB26-3974-46E1-A587-69AF27497A07}"/>
+                <a16:creationId xmlns="" xmlns:a16="http://schemas.microsoft.com/office/drawing/2014/main" id="{756EEB26-3974-46E1-A587-69AF27497A07}"/>
               </a:ext>
             </a:extLst>
           </p:cNvPr>
@@ -4747,7 +4747,7 @@
           <p:cNvPr id="12" name="TextBox 11">
             <a:extLst>
               <a:ext uri="{FF2B5EF4-FFF2-40B4-BE49-F238E27FC236}">
-                <a16:creationId xmlns:a16="http://schemas.microsoft.com/office/drawing/2014/main" xmlns="" id="{F456152E-662E-422D-A6BA-128DF88EC32F}"/>
+                <a16:creationId xmlns="" xmlns:a16="http://schemas.microsoft.com/office/drawing/2014/main" id="{F456152E-662E-422D-A6BA-128DF88EC32F}"/>
               </a:ext>
             </a:extLst>
           </p:cNvPr>
@@ -5463,7 +5463,7 @@
           <p:cNvPr id="4" name="그림 3">
             <a:extLst>
               <a:ext uri="{FF2B5EF4-FFF2-40B4-BE49-F238E27FC236}">
-                <a16:creationId xmlns:a16="http://schemas.microsoft.com/office/drawing/2014/main" xmlns="" id="{90C9484D-C9CD-4EFE-99F9-8AEFB2E573B2}"/>
+                <a16:creationId xmlns="" xmlns:a16="http://schemas.microsoft.com/office/drawing/2014/main" id="{90C9484D-C9CD-4EFE-99F9-8AEFB2E573B2}"/>
               </a:ext>
             </a:extLst>
           </p:cNvPr>

--- a/howToConfig.pptx
+++ b/howToConfig.pptx
@@ -317,7 +317,7 @@
           <a:p>
             <a:fld id="{FB30EDBD-1C2D-4C1E-B459-B60219FAB484}" type="datetimeFigureOut">
               <a:rPr lang="ko-KR" altLang="en-US" smtClean="0"/>
-              <a:t>2017-11-29</a:t>
+              <a:t>2017-11-30</a:t>
             </a:fld>
             <a:endParaRPr lang="ko-KR" altLang="en-US"/>
           </a:p>
@@ -480,7 +480,7 @@
           <a:p>
             <a:fld id="{FB30EDBD-1C2D-4C1E-B459-B60219FAB484}" type="datetimeFigureOut">
               <a:rPr lang="ko-KR" altLang="en-US" smtClean="0"/>
-              <a:t>2017-11-29</a:t>
+              <a:t>2017-11-30</a:t>
             </a:fld>
             <a:endParaRPr lang="ko-KR" altLang="en-US"/>
           </a:p>
@@ -653,7 +653,7 @@
           <a:p>
             <a:fld id="{FB30EDBD-1C2D-4C1E-B459-B60219FAB484}" type="datetimeFigureOut">
               <a:rPr lang="ko-KR" altLang="en-US" smtClean="0"/>
-              <a:t>2017-11-29</a:t>
+              <a:t>2017-11-30</a:t>
             </a:fld>
             <a:endParaRPr lang="ko-KR" altLang="en-US"/>
           </a:p>
@@ -816,7 +816,7 @@
           <a:p>
             <a:fld id="{FB30EDBD-1C2D-4C1E-B459-B60219FAB484}" type="datetimeFigureOut">
               <a:rPr lang="ko-KR" altLang="en-US" smtClean="0"/>
-              <a:t>2017-11-29</a:t>
+              <a:t>2017-11-30</a:t>
             </a:fld>
             <a:endParaRPr lang="ko-KR" altLang="en-US"/>
           </a:p>
@@ -1056,7 +1056,7 @@
           <a:p>
             <a:fld id="{FB30EDBD-1C2D-4C1E-B459-B60219FAB484}" type="datetimeFigureOut">
               <a:rPr lang="ko-KR" altLang="en-US" smtClean="0"/>
-              <a:t>2017-11-29</a:t>
+              <a:t>2017-11-30</a:t>
             </a:fld>
             <a:endParaRPr lang="ko-KR" altLang="en-US"/>
           </a:p>
@@ -1336,7 +1336,7 @@
           <a:p>
             <a:fld id="{FB30EDBD-1C2D-4C1E-B459-B60219FAB484}" type="datetimeFigureOut">
               <a:rPr lang="ko-KR" altLang="en-US" smtClean="0"/>
-              <a:t>2017-11-29</a:t>
+              <a:t>2017-11-30</a:t>
             </a:fld>
             <a:endParaRPr lang="ko-KR" altLang="en-US"/>
           </a:p>
@@ -1750,7 +1750,7 @@
           <a:p>
             <a:fld id="{FB30EDBD-1C2D-4C1E-B459-B60219FAB484}" type="datetimeFigureOut">
               <a:rPr lang="ko-KR" altLang="en-US" smtClean="0"/>
-              <a:t>2017-11-29</a:t>
+              <a:t>2017-11-30</a:t>
             </a:fld>
             <a:endParaRPr lang="ko-KR" altLang="en-US"/>
           </a:p>
@@ -1862,7 +1862,7 @@
           <a:p>
             <a:fld id="{FB30EDBD-1C2D-4C1E-B459-B60219FAB484}" type="datetimeFigureOut">
               <a:rPr lang="ko-KR" altLang="en-US" smtClean="0"/>
-              <a:t>2017-11-29</a:t>
+              <a:t>2017-11-30</a:t>
             </a:fld>
             <a:endParaRPr lang="ko-KR" altLang="en-US"/>
           </a:p>
@@ -1952,7 +1952,7 @@
           <a:p>
             <a:fld id="{FB30EDBD-1C2D-4C1E-B459-B60219FAB484}" type="datetimeFigureOut">
               <a:rPr lang="ko-KR" altLang="en-US" smtClean="0"/>
-              <a:t>2017-11-29</a:t>
+              <a:t>2017-11-30</a:t>
             </a:fld>
             <a:endParaRPr lang="ko-KR" altLang="en-US"/>
           </a:p>
@@ -2222,7 +2222,7 @@
           <a:p>
             <a:fld id="{FB30EDBD-1C2D-4C1E-B459-B60219FAB484}" type="datetimeFigureOut">
               <a:rPr lang="ko-KR" altLang="en-US" smtClean="0"/>
-              <a:t>2017-11-29</a:t>
+              <a:t>2017-11-30</a:t>
             </a:fld>
             <a:endParaRPr lang="ko-KR" altLang="en-US"/>
           </a:p>
@@ -2469,7 +2469,7 @@
           <a:p>
             <a:fld id="{FB30EDBD-1C2D-4C1E-B459-B60219FAB484}" type="datetimeFigureOut">
               <a:rPr lang="ko-KR" altLang="en-US" smtClean="0"/>
-              <a:t>2017-11-29</a:t>
+              <a:t>2017-11-30</a:t>
             </a:fld>
             <a:endParaRPr lang="ko-KR" altLang="en-US"/>
           </a:p>
@@ -2675,7 +2675,7 @@
           <a:p>
             <a:fld id="{FB30EDBD-1C2D-4C1E-B459-B60219FAB484}" type="datetimeFigureOut">
               <a:rPr lang="ko-KR" altLang="en-US" smtClean="0"/>
-              <a:t>2017-11-29</a:t>
+              <a:t>2017-11-30</a:t>
             </a:fld>
             <a:endParaRPr lang="ko-KR" altLang="en-US"/>
           </a:p>
@@ -5813,6 +5813,10 @@
           </a:bodyPr>
           <a:lstStyle/>
           <a:p>
+            <a:pPr marL="285750" indent="-285750">
+              <a:buFont typeface="Arial" panose="020B0604020202020204" pitchFamily="34" charset="0"/>
+              <a:buChar char="•"/>
+            </a:pPr>
             <a:r>
               <a:rPr lang="en-US" altLang="ko-KR" dirty="0"/>
               <a:t>XML Root Element : </a:t>
@@ -5824,9 +5828,10 @@
             <a:endParaRPr lang="en-US" altLang="ko-KR" dirty="0"/>
           </a:p>
           <a:p>
-            <a:endParaRPr lang="en-US" altLang="ko-KR" dirty="0"/>
-          </a:p>
-          <a:p>
+            <a:pPr marL="285750" indent="-285750">
+              <a:buFont typeface="Arial" panose="020B0604020202020204" pitchFamily="34" charset="0"/>
+              <a:buChar char="•"/>
+            </a:pPr>
             <a:r>
               <a:rPr lang="en-US" altLang="ko-KR" dirty="0"/>
               <a:t>AEAT XML Schema to JAXB Binding </a:t>
@@ -5865,6 +5870,10 @@
             </a:r>
           </a:p>
           <a:p>
+            <a:pPr marL="285750" indent="-285750">
+              <a:buFont typeface="Arial" panose="020B0604020202020204" pitchFamily="34" charset="0"/>
+              <a:buChar char="•"/>
+            </a:pPr>
             <a:r>
               <a:rPr lang="ko-KR" altLang="en-US" dirty="0"/>
               <a:t>그래야 </a:t>
@@ -6452,8 +6461,8 @@
         </p:nvSpPr>
         <p:spPr>
           <a:xfrm>
-            <a:off x="1115616" y="5805264"/>
-            <a:ext cx="6912768" cy="923330"/>
+            <a:off x="1115616" y="5930696"/>
+            <a:ext cx="6912768" cy="738664"/>
           </a:xfrm>
           <a:prstGeom prst="rect">
             <a:avLst/>
@@ -6467,78 +6476,154 @@
           <a:lstStyle/>
           <a:p>
             <a:r>
-              <a:rPr lang="en-US" altLang="ko-KR" dirty="0"/>
+              <a:rPr lang="en-US" altLang="ko-KR" sz="1400" dirty="0">
+                <a:solidFill>
+                  <a:schemeClr val="accent1"/>
+                </a:solidFill>
+              </a:rPr>
               <a:t>* windows</a:t>
             </a:r>
             <a:r>
-              <a:rPr lang="ko-KR" altLang="en-US" dirty="0"/>
+              <a:rPr lang="ko-KR" altLang="en-US" sz="1400" dirty="0">
+                <a:solidFill>
+                  <a:schemeClr val="accent1"/>
+                </a:solidFill>
+              </a:rPr>
               <a:t>와 </a:t>
             </a:r>
             <a:r>
-              <a:rPr lang="en-US" altLang="ko-KR" dirty="0" err="1"/>
+              <a:rPr lang="en-US" altLang="ko-KR" sz="1400" dirty="0" err="1">
+                <a:solidFill>
+                  <a:schemeClr val="accent1"/>
+                </a:solidFill>
+              </a:rPr>
               <a:t>linux</a:t>
             </a:r>
             <a:r>
-              <a:rPr lang="ko-KR" altLang="en-US" dirty="0"/>
+              <a:rPr lang="ko-KR" altLang="en-US" sz="1400" dirty="0">
+                <a:solidFill>
+                  <a:schemeClr val="accent1"/>
+                </a:solidFill>
+              </a:rPr>
               <a:t> 환경에서만 </a:t>
             </a:r>
             <a:r>
-              <a:rPr lang="en-US" altLang="ko-KR" dirty="0" err="1"/>
+              <a:rPr lang="en-US" altLang="ko-KR" sz="1400" dirty="0" err="1">
+                <a:solidFill>
+                  <a:schemeClr val="accent1"/>
+                </a:solidFill>
+              </a:rPr>
               <a:t>activemq</a:t>
             </a:r>
             <a:r>
-              <a:rPr lang="en-US" altLang="ko-KR" dirty="0"/>
+              <a:rPr lang="en-US" altLang="ko-KR" sz="1400" dirty="0">
+                <a:solidFill>
+                  <a:schemeClr val="accent1"/>
+                </a:solidFill>
+              </a:rPr>
               <a:t> </a:t>
             </a:r>
             <a:r>
-              <a:rPr lang="ko-KR" altLang="en-US" dirty="0"/>
+              <a:rPr lang="ko-KR" altLang="en-US" sz="1400" dirty="0">
+                <a:solidFill>
+                  <a:schemeClr val="accent1"/>
+                </a:solidFill>
+              </a:rPr>
               <a:t>브로커를 실행시킬 수 있다</a:t>
             </a:r>
             <a:r>
-              <a:rPr lang="en-US" altLang="ko-KR" dirty="0"/>
+              <a:rPr lang="en-US" altLang="ko-KR" sz="1400" dirty="0">
+                <a:solidFill>
+                  <a:schemeClr val="accent1"/>
+                </a:solidFill>
+              </a:rPr>
               <a:t>. </a:t>
             </a:r>
             <a:r>
-              <a:rPr lang="en-US" altLang="ko-KR" dirty="0" err="1"/>
+              <a:rPr lang="en-US" altLang="ko-KR" sz="1400" dirty="0" err="1">
+                <a:solidFill>
+                  <a:schemeClr val="accent1"/>
+                </a:solidFill>
+              </a:rPr>
               <a:t>ios</a:t>
             </a:r>
             <a:r>
-              <a:rPr lang="en-US" altLang="ko-KR" dirty="0"/>
+              <a:rPr lang="en-US" altLang="ko-KR" sz="1400" dirty="0">
+                <a:solidFill>
+                  <a:schemeClr val="accent1"/>
+                </a:solidFill>
+              </a:rPr>
               <a:t> </a:t>
             </a:r>
             <a:r>
-              <a:rPr lang="ko-KR" altLang="en-US" dirty="0"/>
+              <a:rPr lang="ko-KR" altLang="en-US" sz="1400" dirty="0">
+                <a:solidFill>
+                  <a:schemeClr val="accent1"/>
+                </a:solidFill>
+              </a:rPr>
               <a:t>사용자는 다운받아서 </a:t>
             </a:r>
             <a:r>
-              <a:rPr lang="en-US" altLang="ko-KR" dirty="0"/>
+              <a:rPr lang="en-US" altLang="ko-KR" sz="1400" dirty="0">
+                <a:solidFill>
+                  <a:schemeClr val="accent1"/>
+                </a:solidFill>
+              </a:rPr>
               <a:t>zip</a:t>
             </a:r>
             <a:r>
-              <a:rPr lang="ko-KR" altLang="en-US" dirty="0"/>
+              <a:rPr lang="ko-KR" altLang="en-US" sz="1400" dirty="0">
+                <a:solidFill>
+                  <a:schemeClr val="accent1"/>
+                </a:solidFill>
+              </a:rPr>
               <a:t>파일 내에 있는 </a:t>
             </a:r>
             <a:r>
-              <a:rPr lang="en-US" altLang="ko-KR" dirty="0"/>
+              <a:rPr lang="en-US" altLang="ko-KR" sz="1400" dirty="0">
+                <a:solidFill>
+                  <a:schemeClr val="accent1"/>
+                </a:solidFill>
+              </a:rPr>
               <a:t>“activemq-all-5.xx.x.jar” </a:t>
             </a:r>
             <a:r>
-              <a:rPr lang="ko-KR" altLang="en-US" dirty="0"/>
+              <a:rPr lang="ko-KR" altLang="en-US" sz="1400" dirty="0">
+                <a:solidFill>
+                  <a:schemeClr val="accent1"/>
+                </a:solidFill>
+              </a:rPr>
               <a:t>파일만 프로젝트에 </a:t>
             </a:r>
             <a:r>
-              <a:rPr lang="en-US" altLang="ko-KR" dirty="0"/>
+              <a:rPr lang="en-US" altLang="ko-KR" sz="1400" dirty="0">
+                <a:solidFill>
+                  <a:schemeClr val="accent1"/>
+                </a:solidFill>
+              </a:rPr>
               <a:t>import </a:t>
             </a:r>
             <a:r>
-              <a:rPr lang="ko-KR" altLang="en-US" dirty="0"/>
+              <a:rPr lang="ko-KR" altLang="en-US" sz="1400" dirty="0">
+                <a:solidFill>
+                  <a:schemeClr val="accent1"/>
+                </a:solidFill>
+              </a:rPr>
               <a:t>하자</a:t>
             </a:r>
             <a:r>
-              <a:rPr lang="en-US" altLang="ko-KR" dirty="0"/>
+              <a:rPr lang="en-US" altLang="ko-KR" sz="1400" dirty="0">
+                <a:solidFill>
+                  <a:schemeClr val="accent1"/>
+                </a:solidFill>
+              </a:rPr>
               <a:t>.</a:t>
             </a:r>
-            <a:endParaRPr lang="ko-KR" altLang="en-US" dirty="0"/>
+            <a:endParaRPr lang="ko-KR" altLang="en-US" sz="1400" dirty="0">
+              <a:solidFill>
+                <a:schemeClr val="accent1"/>
+              </a:solidFill>
+            </a:endParaRPr>
           </a:p>
         </p:txBody>
       </p:sp>
@@ -6564,7 +6649,7 @@
         </p:blipFill>
         <p:spPr>
           <a:xfrm>
-            <a:off x="976312" y="3299048"/>
+            <a:off x="976312" y="3443064"/>
             <a:ext cx="7191375" cy="2362200"/>
           </a:xfrm>
           <a:prstGeom prst="rect">
@@ -6587,7 +6672,7 @@
         <p:spPr>
           <a:xfrm>
             <a:off x="976312" y="1806103"/>
-            <a:ext cx="6912768" cy="1477328"/>
+            <a:ext cx="6912768" cy="1569660"/>
           </a:xfrm>
           <a:prstGeom prst="rect">
             <a:avLst/>
@@ -6600,83 +6685,105 @@
           </a:bodyPr>
           <a:lstStyle/>
           <a:p>
-            <a:r>
-              <a:rPr lang="en-US" altLang="ko-KR" dirty="0" err="1"/>
+            <a:pPr marL="285750" indent="-285750">
+              <a:buFont typeface="Arial" panose="020B0604020202020204" pitchFamily="34" charset="0"/>
+              <a:buChar char="•"/>
+            </a:pPr>
+            <a:r>
+              <a:rPr lang="en-US" altLang="ko-KR" sz="1600" dirty="0" err="1"/>
               <a:t>ActiveMQ</a:t>
             </a:r>
             <a:r>
-              <a:rPr lang="ko-KR" altLang="en-US" dirty="0"/>
+              <a:rPr lang="ko-KR" altLang="en-US" sz="1600" dirty="0"/>
               <a:t>를 다운받은 뒤 압축을 풀고 아래 </a:t>
             </a:r>
             <a:r>
-              <a:rPr lang="en-US" altLang="ko-KR" dirty="0"/>
+              <a:rPr lang="en-US" altLang="ko-KR" sz="1600" dirty="0"/>
               <a:t>bin/win64 </a:t>
             </a:r>
             <a:r>
-              <a:rPr lang="ko-KR" altLang="en-US" dirty="0"/>
+              <a:rPr lang="ko-KR" altLang="en-US" sz="1600" dirty="0"/>
               <a:t>폴더로 이동하여 </a:t>
             </a:r>
             <a:r>
-              <a:rPr lang="en-US" altLang="ko-KR" dirty="0"/>
+              <a:rPr lang="en-US" altLang="ko-KR" sz="1600" dirty="0"/>
               <a:t>“activemq.bat”</a:t>
             </a:r>
             <a:r>
-              <a:rPr lang="ko-KR" altLang="en-US" dirty="0"/>
+              <a:rPr lang="ko-KR" altLang="en-US" sz="1600" dirty="0"/>
               <a:t> 파일을 실행하자</a:t>
             </a:r>
             <a:r>
-              <a:rPr lang="en-US" altLang="ko-KR" dirty="0"/>
+              <a:rPr lang="en-US" altLang="ko-KR" sz="1600" dirty="0"/>
               <a:t>.(32bit </a:t>
             </a:r>
             <a:r>
-              <a:rPr lang="ko-KR" altLang="en-US" dirty="0"/>
+              <a:rPr lang="ko-KR" altLang="en-US" sz="1600" dirty="0"/>
               <a:t>컴퓨터는 </a:t>
             </a:r>
             <a:r>
-              <a:rPr lang="en-US" altLang="ko-KR" dirty="0"/>
+              <a:rPr lang="en-US" altLang="ko-KR" sz="1600" dirty="0"/>
               <a:t>win32</a:t>
             </a:r>
             <a:r>
-              <a:rPr lang="ko-KR" altLang="en-US" dirty="0"/>
+              <a:rPr lang="ko-KR" altLang="en-US" sz="1600" dirty="0"/>
               <a:t>로</a:t>
             </a:r>
             <a:r>
-              <a:rPr lang="en-US" altLang="ko-KR" dirty="0"/>
+              <a:rPr lang="en-US" altLang="ko-KR" sz="1600" dirty="0"/>
               <a:t>) </a:t>
             </a:r>
             <a:r>
-              <a:rPr lang="ko-KR" altLang="en-US" dirty="0"/>
+              <a:rPr lang="ko-KR" altLang="en-US" sz="1600" dirty="0"/>
               <a:t>커맨드라인 창이 뜨고 브로커가 실행된다</a:t>
             </a:r>
             <a:r>
-              <a:rPr lang="en-US" altLang="ko-KR" dirty="0"/>
+              <a:rPr lang="en-US" altLang="ko-KR" sz="1600" dirty="0"/>
               <a:t>. </a:t>
             </a:r>
             <a:r>
-              <a:rPr lang="ko-KR" altLang="en-US" dirty="0"/>
+              <a:rPr lang="ko-KR" altLang="en-US" sz="1600" dirty="0"/>
               <a:t>그리고 </a:t>
             </a:r>
             <a:r>
-              <a:rPr lang="en-US" altLang="ko-KR" dirty="0" err="1"/>
+              <a:rPr lang="en-US" altLang="ko-KR" sz="1600" dirty="0" err="1"/>
               <a:t>ActiveMQ</a:t>
             </a:r>
             <a:r>
-              <a:rPr lang="ko-KR" altLang="en-US" dirty="0"/>
+              <a:rPr lang="ko-KR" altLang="en-US" sz="1600" dirty="0"/>
               <a:t>에서 사용하는 </a:t>
             </a:r>
             <a:r>
-              <a:rPr lang="en-US" altLang="ko-KR" dirty="0"/>
+              <a:rPr lang="en-US" altLang="ko-KR" sz="1600" dirty="0"/>
               <a:t>61616</a:t>
             </a:r>
             <a:r>
-              <a:rPr lang="ko-KR" altLang="en-US" dirty="0"/>
+              <a:rPr lang="ko-KR" altLang="en-US" sz="1600" dirty="0"/>
               <a:t>포트를 열어주면 브로커를 사용할 준비가 완료된다</a:t>
             </a:r>
             <a:r>
-              <a:rPr lang="en-US" altLang="ko-KR" dirty="0"/>
+              <a:rPr lang="en-US" altLang="ko-KR" sz="1600" dirty="0"/>
+              <a:t>. </a:t>
+            </a:r>
+            <a:r>
+              <a:rPr lang="en-US" altLang="ko-KR" sz="1600" dirty="0">
+                <a:hlinkClick r:id="rId3"/>
+              </a:rPr>
+              <a:t>http://mastmanban.tistory.com/350</a:t>
+            </a:r>
+            <a:r>
+              <a:rPr lang="en-US" altLang="ko-KR" sz="1600" dirty="0"/>
+              <a:t> </a:t>
+            </a:r>
+            <a:r>
+              <a:rPr lang="ko-KR" altLang="en-US" sz="1600" dirty="0"/>
+              <a:t>여기에 특정 포트를 열어주는 방법이 소개되어 있다</a:t>
+            </a:r>
+            <a:r>
+              <a:rPr lang="en-US" altLang="ko-KR" sz="1600" dirty="0"/>
               <a:t>.</a:t>
             </a:r>
-            <a:endParaRPr lang="ko-KR" altLang="en-US" dirty="0"/>
+            <a:endParaRPr lang="ko-KR" altLang="en-US" sz="1600" dirty="0"/>
           </a:p>
         </p:txBody>
       </p:sp>
@@ -6694,7 +6801,7 @@
         </p:nvSpPr>
         <p:spPr>
           <a:xfrm>
-            <a:off x="2627784" y="4386435"/>
+            <a:off x="2627784" y="4530451"/>
             <a:ext cx="936104" cy="266701"/>
           </a:xfrm>
           <a:prstGeom prst="rect">
@@ -6746,7 +6853,7 @@
         </p:nvSpPr>
         <p:spPr>
           <a:xfrm>
-            <a:off x="3491654" y="3840648"/>
+            <a:off x="3491654" y="4005064"/>
             <a:ext cx="2304481" cy="266701"/>
           </a:xfrm>
           <a:prstGeom prst="rect">
